--- a/doc/img/concept.pptx
+++ b/doc/img/concept.pptx
@@ -5591,10 +5591,10 @@
       </p:sp>
       <p:pic>
         <p:nvPicPr>
-          <p:cNvPr id="19" name="Picture 18">
+          <p:cNvPr id="2" name="Picture 1">
             <a:extLst>
               <a:ext uri="{FF2B5EF4-FFF2-40B4-BE49-F238E27FC236}">
-                <a16:creationId xmlns:a16="http://schemas.microsoft.com/office/drawing/2014/main" id="{91D71CD2-3432-7391-10D7-C37AAE030922}"/>
+                <a16:creationId xmlns:a16="http://schemas.microsoft.com/office/drawing/2014/main" id="{17D4E300-549A-35C8-E793-BCDDDF484FA0}"/>
               </a:ext>
             </a:extLst>
           </p:cNvPr>
@@ -5611,8 +5611,8 @@
         </p:blipFill>
         <p:spPr>
           <a:xfrm>
-            <a:off x="4725703" y="3085939"/>
-            <a:ext cx="3119255" cy="443204"/>
+            <a:off x="4942654" y="3111268"/>
+            <a:ext cx="2631476" cy="371273"/>
           </a:xfrm>
           <a:prstGeom prst="rect">
             <a:avLst/>
